--- a/submission_version/doc/HW3Presentation.pptx
+++ b/submission_version/doc/HW3Presentation.pptx
@@ -1049,7 +1049,7 @@
           <a:ln/>
           <a:extLst>
             <a:ext uri="{FAA26D3D-D897-4be2-8F04-BA451C77F1D7}">
-              <ma14:placeholderFlag xmlns:ma14="http://schemas.microsoft.com/office/mac/drawingml/2011/main" xmlns="" val="1"/>
+              <ma14:placeholderFlag xmlns="" xmlns:ma14="http://schemas.microsoft.com/office/mac/drawingml/2011/main" val="1"/>
             </a:ext>
           </a:extLst>
         </p:spPr>
@@ -1787,14 +1787,14 @@
           <a:effectLst/>
           <a:extLst>
             <a:ext uri="{909E8E84-426E-40dd-AFC4-6F175D3DCCD1}">
-              <a14:hiddenFill xmlns:a14="http://schemas.microsoft.com/office/drawing/2010/main" xmlns="">
+              <a14:hiddenFill xmlns="" xmlns:a14="http://schemas.microsoft.com/office/drawing/2010/main">
                 <a:solidFill>
                   <a:schemeClr val="accent1"/>
                 </a:solidFill>
               </a14:hiddenFill>
             </a:ext>
             <a:ext uri="{91240B29-F687-4f45-9708-019B960494DF}">
-              <a14:hiddenLine xmlns:a14="http://schemas.microsoft.com/office/drawing/2010/main" xmlns="" w="12700">
+              <a14:hiddenLine xmlns="" xmlns:a14="http://schemas.microsoft.com/office/drawing/2010/main" w="12700">
                 <a:solidFill>
                   <a:schemeClr val="tx1"/>
                 </a:solidFill>
@@ -1804,7 +1804,7 @@
               </a14:hiddenLine>
             </a:ext>
             <a:ext uri="{AF507438-7753-43e0-B8FC-AC1667EBCBE1}">
-              <a14:hiddenEffects xmlns:a14="http://schemas.microsoft.com/office/drawing/2010/main" xmlns="">
+              <a14:hiddenEffects xmlns="" xmlns:a14="http://schemas.microsoft.com/office/drawing/2010/main">
                 <a:effectLst>
                   <a:outerShdw blurRad="63500" dist="38099" dir="2700000" algn="ctr" rotWithShape="0">
                     <a:schemeClr val="bg2">
@@ -1911,12 +1911,12 @@
           <a:effectLst/>
           <a:extLst>
             <a:ext uri="{909E8E84-426E-40dd-AFC4-6F175D3DCCD1}">
-              <a14:hiddenFill xmlns:a14="http://schemas.microsoft.com/office/drawing/2010/main" xmlns="">
+              <a14:hiddenFill xmlns="" xmlns:a14="http://schemas.microsoft.com/office/drawing/2010/main">
                 <a:noFill/>
               </a14:hiddenFill>
             </a:ext>
             <a:ext uri="{AF507438-7753-43e0-B8FC-AC1667EBCBE1}">
-              <a14:hiddenEffects xmlns:a14="http://schemas.microsoft.com/office/drawing/2010/main" xmlns="">
+              <a14:hiddenEffects xmlns="" xmlns:a14="http://schemas.microsoft.com/office/drawing/2010/main">
                 <a:effectLst>
                   <a:outerShdw blurRad="63500" dist="38099" dir="2700000" algn="ctr" rotWithShape="0">
                     <a:schemeClr val="bg2">
@@ -5641,7 +5641,7 @@
         <p:spPr>
           <a:xfrm>
             <a:off x="779281" y="1735155"/>
-            <a:ext cx="10633435" cy="3539430"/>
+            <a:ext cx="10633435" cy="4524315"/>
           </a:xfrm>
           <a:prstGeom prst="rect">
             <a:avLst/>
@@ -5704,7 +5704,7 @@
                 <a:ea typeface="Times New Roman" charset="0"/>
                 <a:cs typeface="Times New Roman" charset="0"/>
               </a:rPr>
-              <a:t>Since</a:t>
+              <a:t>	Since</a:t>
             </a:r>
             <a:r>
               <a:rPr lang="zh-CN" altLang="en-US" sz="3200" dirty="0">
@@ -6163,7 +6163,26 @@
                 <a:ea typeface="Times New Roman" charset="0"/>
                 <a:cs typeface="Times New Roman" charset="0"/>
               </a:rPr>
-              <a:t>We first get the center coordinate of the input area and request several times until max zoom is get.</a:t>
+              <a:t>	We first get the center coordinate of the input area and request several times until max zoom is get.</a:t>
+            </a:r>
+          </a:p>
+          <a:p>
+            <a:pPr lvl="1" algn="just"/>
+            <a:r>
+              <a:rPr lang="en-US" altLang="zh-CN" sz="3200">
+                <a:latin typeface="Times New Roman" charset="0"/>
+                <a:ea typeface="Times New Roman" charset="0"/>
+                <a:cs typeface="Times New Roman" charset="0"/>
+              </a:rPr>
+              <a:t>	Zoom </a:t>
+            </a:r>
+            <a:r>
+              <a:rPr lang="en-US" altLang="zh-CN" sz="3200" dirty="0">
+                <a:latin typeface="Times New Roman" charset="0"/>
+                <a:ea typeface="Times New Roman" charset="0"/>
+                <a:cs typeface="Times New Roman" charset="0"/>
+              </a:rPr>
+              <a:t>is like ‘level’, a larger zoom means a higher resolution, so we need to seek for the maximum of the zoom.</a:t>
             </a:r>
           </a:p>
         </p:txBody>
